--- a/lecture_notes/chapter4/chapter4.pptx
+++ b/lecture_notes/chapter4/chapter4.pptx
@@ -5,7 +5,7 @@
     <p:sldMasterId id="2147483648" r:id="rId1"/>
   </p:sldMasterIdLst>
   <p:notesMasterIdLst>
-    <p:notesMasterId r:id="rId12"/>
+    <p:notesMasterId r:id="rId13"/>
   </p:notesMasterIdLst>
   <p:sldIdLst>
     <p:sldId id="256" r:id="rId2"/>
@@ -18,6 +18,7 @@
     <p:sldId id="300" r:id="rId9"/>
     <p:sldId id="305" r:id="rId10"/>
     <p:sldId id="306" r:id="rId11"/>
+    <p:sldId id="307" r:id="rId12"/>
   </p:sldIdLst>
   <p:sldSz cx="12192000" cy="6858000"/>
   <p:notesSz cx="7010400" cy="9296400"/>
@@ -127,7 +128,7 @@
 <file path=ppt/revisionInfo.xml><?xml version="1.0" encoding="utf-8"?>
 <p1510:revInfo xmlns:a="http://schemas.openxmlformats.org/drawingml/2006/main" xmlns:r="http://schemas.openxmlformats.org/officeDocument/2006/relationships" xmlns:p1510="http://schemas.microsoft.com/office/powerpoint/2015/10/main">
   <p1510:revLst>
-    <p1510:client id="{FE47D3F3-DF96-EA4D-BDC6-AA1F1483E945}" v="2" dt="2026-01-30T17:48:16.472"/>
+    <p1510:client id="{FE47D3F3-DF96-EA4D-BDC6-AA1F1483E945}" v="3" dt="2026-02-02T07:01:43.783"/>
   </p1510:revLst>
 </p1510:revInfo>
 </file>
@@ -136,8 +137,8 @@
 <pc:chgInfo xmlns:a="http://schemas.openxmlformats.org/drawingml/2006/main" xmlns:r="http://schemas.openxmlformats.org/officeDocument/2006/relationships" xmlns:ac="http://schemas.microsoft.com/office/drawing/2013/main/command" xmlns:pc="http://schemas.microsoft.com/office/powerpoint/2013/main/command">
   <pc:docChgLst>
     <pc:chgData name="Toby Donaldson" userId="2e6e5431-bb17-4c41-9985-d39c50d83c73" providerId="ADAL" clId="{F31BC264-820E-54C4-A6D1-F92AF9CC222E}"/>
-    <pc:docChg chg="undo custSel modSld">
-      <pc:chgData name="Toby Donaldson" userId="2e6e5431-bb17-4c41-9985-d39c50d83c73" providerId="ADAL" clId="{F31BC264-820E-54C4-A6D1-F92AF9CC222E}" dt="2026-02-02T06:11:27.660" v="285" actId="20577"/>
+    <pc:docChg chg="undo custSel addSld modSld">
+      <pc:chgData name="Toby Donaldson" userId="2e6e5431-bb17-4c41-9985-d39c50d83c73" providerId="ADAL" clId="{F31BC264-820E-54C4-A6D1-F92AF9CC222E}" dt="2026-02-02T07:02:06.289" v="327" actId="21"/>
       <pc:docMkLst>
         <pc:docMk/>
       </pc:docMkLst>
@@ -258,6 +259,37 @@
             <pc:docMk/>
             <pc:sldMk cId="124086956" sldId="306"/>
             <ac:inkMk id="5" creationId="{875607DA-2705-C168-088C-C600FD083350}"/>
+          </ac:inkMkLst>
+        </pc:inkChg>
+      </pc:sldChg>
+      <pc:sldChg chg="delSp modSp add mod">
+        <pc:chgData name="Toby Donaldson" userId="2e6e5431-bb17-4c41-9985-d39c50d83c73" providerId="ADAL" clId="{F31BC264-820E-54C4-A6D1-F92AF9CC222E}" dt="2026-02-02T07:02:06.289" v="327" actId="21"/>
+        <pc:sldMkLst>
+          <pc:docMk/>
+          <pc:sldMk cId="441115355" sldId="307"/>
+        </pc:sldMkLst>
+        <pc:spChg chg="mod">
+          <ac:chgData name="Toby Donaldson" userId="2e6e5431-bb17-4c41-9985-d39c50d83c73" providerId="ADAL" clId="{F31BC264-820E-54C4-A6D1-F92AF9CC222E}" dt="2026-02-02T07:01:58.916" v="326" actId="5793"/>
+          <ac:spMkLst>
+            <pc:docMk/>
+            <pc:sldMk cId="441115355" sldId="307"/>
+            <ac:spMk id="3" creationId="{CD6ED19E-FA10-40FC-10A3-C5CCADB722CF}"/>
+          </ac:spMkLst>
+        </pc:spChg>
+        <pc:picChg chg="del">
+          <ac:chgData name="Toby Donaldson" userId="2e6e5431-bb17-4c41-9985-d39c50d83c73" providerId="ADAL" clId="{F31BC264-820E-54C4-A6D1-F92AF9CC222E}" dt="2026-02-02T07:01:43.782" v="287" actId="21"/>
+          <ac:picMkLst>
+            <pc:docMk/>
+            <pc:sldMk cId="441115355" sldId="307"/>
+            <ac:picMk id="1026" creationId="{43DEE88B-2D30-F158-5CCD-56D98DF44C03}"/>
+          </ac:picMkLst>
+        </pc:picChg>
+        <pc:inkChg chg="del">
+          <ac:chgData name="Toby Donaldson" userId="2e6e5431-bb17-4c41-9985-d39c50d83c73" providerId="ADAL" clId="{F31BC264-820E-54C4-A6D1-F92AF9CC222E}" dt="2026-02-02T07:02:06.289" v="327" actId="21"/>
+          <ac:inkMkLst>
+            <pc:docMk/>
+            <pc:sldMk cId="441115355" sldId="307"/>
+            <ac:inkMk id="5" creationId="{66D29EF3-4FA7-8A65-8CFE-B9FD4FD4105C}"/>
           </ac:inkMkLst>
         </pc:inkChg>
       </pc:sldChg>
@@ -5410,6 +5442,130 @@
     <p:extLst>
       <p:ext uri="{BB962C8B-B14F-4D97-AF65-F5344CB8AC3E}">
         <p14:creationId xmlns:p14="http://schemas.microsoft.com/office/powerpoint/2010/main" val="124086956"/>
+      </p:ext>
+    </p:extLst>
+  </p:cSld>
+  <p:clrMapOvr>
+    <a:masterClrMapping/>
+  </p:clrMapOvr>
+</p:sld>
+</file>
+
+<file path=ppt/slides/slide11.xml><?xml version="1.0" encoding="utf-8"?>
+<p:sld xmlns:a="http://schemas.openxmlformats.org/drawingml/2006/main" xmlns:r="http://schemas.openxmlformats.org/officeDocument/2006/relationships" xmlns:p="http://schemas.openxmlformats.org/presentationml/2006/main">
+  <p:cSld>
+    <p:spTree>
+      <p:nvGrpSpPr>
+        <p:cNvPr id="1" name="">
+          <a:extLst>
+            <a:ext uri="{FF2B5EF4-FFF2-40B4-BE49-F238E27FC236}">
+              <a16:creationId xmlns:a16="http://schemas.microsoft.com/office/drawing/2014/main" id="{CFF4450C-32DA-AF33-7D4C-27D18412A49F}"/>
+            </a:ext>
+          </a:extLst>
+        </p:cNvPr>
+        <p:cNvGrpSpPr/>
+        <p:nvPr/>
+      </p:nvGrpSpPr>
+      <p:grpSpPr>
+        <a:xfrm>
+          <a:off x="0" y="0"/>
+          <a:ext cx="0" cy="0"/>
+          <a:chOff x="0" y="0"/>
+          <a:chExt cx="0" cy="0"/>
+        </a:xfrm>
+      </p:grpSpPr>
+      <p:sp>
+        <p:nvSpPr>
+          <p:cNvPr id="2" name="Title 1">
+            <a:extLst>
+              <a:ext uri="{FF2B5EF4-FFF2-40B4-BE49-F238E27FC236}">
+                <a16:creationId xmlns:a16="http://schemas.microsoft.com/office/drawing/2014/main" id="{FAEA37B0-944C-FB19-7296-0B82BE822DE9}"/>
+              </a:ext>
+            </a:extLst>
+          </p:cNvPr>
+          <p:cNvSpPr>
+            <a:spLocks noGrp="1"/>
+          </p:cNvSpPr>
+          <p:nvPr>
+            <p:ph type="title"/>
+          </p:nvPr>
+        </p:nvSpPr>
+        <p:spPr/>
+        <p:txBody>
+          <a:bodyPr/>
+          <a:lstStyle/>
+          <a:p>
+            <a:r>
+              <a:rPr lang="en-US" dirty="0"/>
+              <a:t>Turtle Graphics</a:t>
+            </a:r>
+          </a:p>
+        </p:txBody>
+      </p:sp>
+      <p:sp>
+        <p:nvSpPr>
+          <p:cNvPr id="3" name="Content Placeholder 2">
+            <a:extLst>
+              <a:ext uri="{FF2B5EF4-FFF2-40B4-BE49-F238E27FC236}">
+                <a16:creationId xmlns:a16="http://schemas.microsoft.com/office/drawing/2014/main" id="{CD6ED19E-FA10-40FC-10A3-C5CCADB722CF}"/>
+              </a:ext>
+            </a:extLst>
+          </p:cNvPr>
+          <p:cNvSpPr>
+            <a:spLocks noGrp="1"/>
+          </p:cNvSpPr>
+          <p:nvPr>
+            <p:ph idx="1"/>
+          </p:nvPr>
+        </p:nvSpPr>
+        <p:spPr/>
+        <p:txBody>
+          <a:bodyPr/>
+          <a:lstStyle/>
+          <a:p>
+            <a:pPr marL="0" indent="0">
+              <a:buNone/>
+            </a:pPr>
+            <a:r>
+              <a:rPr lang="en-US" dirty="0"/>
+              <a:t>More examples of turtle graphics …</a:t>
+            </a:r>
+          </a:p>
+        </p:txBody>
+      </p:sp>
+      <p:sp>
+        <p:nvSpPr>
+          <p:cNvPr id="4" name="Slide Number Placeholder 3">
+            <a:extLst>
+              <a:ext uri="{FF2B5EF4-FFF2-40B4-BE49-F238E27FC236}">
+                <a16:creationId xmlns:a16="http://schemas.microsoft.com/office/drawing/2014/main" id="{A20E0305-50D0-FFEF-73E7-61AB799AB1CC}"/>
+              </a:ext>
+            </a:extLst>
+          </p:cNvPr>
+          <p:cNvSpPr>
+            <a:spLocks noGrp="1"/>
+          </p:cNvSpPr>
+          <p:nvPr>
+            <p:ph type="sldNum" sz="quarter" idx="12"/>
+          </p:nvPr>
+        </p:nvSpPr>
+        <p:spPr/>
+        <p:txBody>
+          <a:bodyPr/>
+          <a:lstStyle/>
+          <a:p>
+            <a:fld id="{CBA0A0CD-12E5-4065-8C87-26D031211F61}" type="slidenum">
+              <a:rPr lang="en-AU" smtClean="0"/>
+              <a:t>11</a:t>
+            </a:fld>
+            <a:endParaRPr lang="en-AU"/>
+          </a:p>
+        </p:txBody>
+      </p:sp>
+    </p:spTree>
+    <p:extLst>
+      <p:ext uri="{BB962C8B-B14F-4D97-AF65-F5344CB8AC3E}">
+        <p14:creationId xmlns:p14="http://schemas.microsoft.com/office/powerpoint/2010/main" val="441115355"/>
       </p:ext>
     </p:extLst>
   </p:cSld>
